--- a/Project presentation.pptx
+++ b/Project presentation.pptx
@@ -12,6 +12,7 @@
     <p:sldId id="260" r:id="rId6"/>
     <p:sldId id="261" r:id="rId7"/>
     <p:sldId id="262" r:id="rId8"/>
+    <p:sldId id="263" r:id="rId9"/>
   </p:sldIdLst>
   <p:sldSz cx="12192000" cy="6858000"/>
   <p:notesSz cx="6858000" cy="9144000"/>
@@ -274,7 +275,7 @@
           <a:p>
             <a:fld id="{6444479B-705B-4489-957E-7E8A228BDFA0}" type="datetime1">
               <a:rPr lang="en-US" smtClean="0"/>
-              <a:t>12/2/2024</a:t>
+              <a:t>12/4/2024</a:t>
             </a:fld>
             <a:endParaRPr lang="en-US"/>
           </a:p>
@@ -474,7 +475,7 @@
           <a:p>
             <a:fld id="{C07B66AD-7C08-490A-ADA4-B47E10FB2407}" type="datetime1">
               <a:rPr lang="en-US" smtClean="0"/>
-              <a:t>12/2/2024</a:t>
+              <a:t>12/4/2024</a:t>
             </a:fld>
             <a:endParaRPr lang="en-US"/>
           </a:p>
@@ -733,7 +734,7 @@
           <a:p>
             <a:fld id="{05B95027-4255-49E7-9841-CD21BCC99996}" type="datetime1">
               <a:rPr lang="en-US" smtClean="0"/>
-              <a:t>12/2/2024</a:t>
+              <a:t>12/4/2024</a:t>
             </a:fld>
             <a:endParaRPr lang="en-US"/>
           </a:p>
@@ -974,7 +975,7 @@
           <a:p>
             <a:fld id="{9F89F774-3FA6-43B8-9241-99959C8FD463}" type="datetime1">
               <a:rPr lang="en-US" smtClean="0"/>
-              <a:t>12/2/2024</a:t>
+              <a:t>12/4/2024</a:t>
             </a:fld>
             <a:endParaRPr lang="en-US"/>
           </a:p>
@@ -1301,7 +1302,7 @@
           <a:p>
             <a:fld id="{F9504452-5DCC-4FE2-A5C9-8A5EF6714D65}" type="datetime1">
               <a:rPr lang="en-US" smtClean="0"/>
-              <a:t>12/2/2024</a:t>
+              <a:t>12/4/2024</a:t>
             </a:fld>
             <a:endParaRPr lang="en-US"/>
           </a:p>
@@ -1611,7 +1612,7 @@
           <a:p>
             <a:fld id="{E579ABC2-0180-4F3A-A895-A85BC724D472}" type="datetime1">
               <a:rPr lang="en-US" smtClean="0"/>
-              <a:t>12/2/2024</a:t>
+              <a:t>12/4/2024</a:t>
             </a:fld>
             <a:endParaRPr lang="en-US"/>
           </a:p>
@@ -2029,7 +2030,7 @@
           <a:p>
             <a:fld id="{6AEEA9BA-4E8F-439E-BEA4-91FBA01E3F5F}" type="datetime1">
               <a:rPr lang="en-US" smtClean="0"/>
-              <a:t>12/2/2024</a:t>
+              <a:t>12/4/2024</a:t>
             </a:fld>
             <a:endParaRPr lang="en-US"/>
           </a:p>
@@ -2171,7 +2172,7 @@
           <a:p>
             <a:fld id="{BE15BF18-0007-481C-AA29-413124BC3EE7}" type="datetime1">
               <a:rPr lang="en-US" smtClean="0"/>
-              <a:t>12/2/2024</a:t>
+              <a:t>12/4/2024</a:t>
             </a:fld>
             <a:endParaRPr lang="en-US"/>
           </a:p>
@@ -2333,7 +2334,7 @@
           <a:p>
             <a:fld id="{09BE9870-3748-43AD-B547-02A075CB4A1D}" type="datetime1">
               <a:rPr lang="en-US" smtClean="0"/>
-              <a:t>12/2/2024</a:t>
+              <a:t>12/4/2024</a:t>
             </a:fld>
             <a:endParaRPr lang="en-US"/>
           </a:p>
@@ -2650,7 +2651,7 @@
           <a:p>
             <a:fld id="{558E7897-33C5-4F1A-9307-D068E37F3DC7}" type="datetime1">
               <a:rPr lang="en-US" smtClean="0"/>
-              <a:t>12/2/2024</a:t>
+              <a:t>12/4/2024</a:t>
             </a:fld>
             <a:endParaRPr lang="en-US"/>
           </a:p>
@@ -2945,7 +2946,7 @@
           <a:p>
             <a:fld id="{82E171BA-CC09-47C8-A6DF-F5C5CB59CEEC}" type="datetime1">
               <a:rPr lang="en-US" smtClean="0"/>
-              <a:t>12/2/2024</a:t>
+              <a:t>12/4/2024</a:t>
             </a:fld>
             <a:endParaRPr lang="en-US"/>
           </a:p>
@@ -3186,7 +3187,7 @@
           <a:p>
             <a:fld id="{7DA38F49-B3E2-4BF0-BEC7-C30D34ABBB8D}" type="datetime1">
               <a:rPr lang="en-US" smtClean="0"/>
-              <a:t>12/2/2024</a:t>
+              <a:t>12/4/2024</a:t>
             </a:fld>
             <a:endParaRPr lang="en-US"/>
           </a:p>
@@ -3813,7 +3814,7 @@
         </p:spPr>
         <p:txBody>
           <a:bodyPr>
-            <a:normAutofit/>
+            <a:normAutofit fontScale="90000"/>
           </a:bodyPr>
           <a:lstStyle/>
           <a:p>
@@ -3823,8 +3824,8 @@
               </a:lnSpc>
             </a:pPr>
             <a:r>
-              <a:rPr lang="en-US" sz="4900"/>
-              <a:t>Line following – Obstacle avoidance Robot</a:t>
+              <a:rPr lang="en-US" sz="4900" dirty="0"/>
+              <a:t>Line following – Obstacle detection and Collision prevention Robot</a:t>
             </a:r>
           </a:p>
         </p:txBody>
@@ -3917,6 +3918,36 @@
           </a:fontRef>
         </p:style>
       </p:cxnSp>
+      <p:pic>
+        <p:nvPicPr>
+          <p:cNvPr id="6" name="Picture 5">
+            <a:extLst>
+              <a:ext uri="{FF2B5EF4-FFF2-40B4-BE49-F238E27FC236}">
+                <a16:creationId xmlns:a16="http://schemas.microsoft.com/office/drawing/2014/main" id="{D4E2970A-FB18-3AD1-0AF4-DB6022090FA3}"/>
+              </a:ext>
+            </a:extLst>
+          </p:cNvPr>
+          <p:cNvPicPr>
+            <a:picLocks noChangeAspect="1"/>
+          </p:cNvPicPr>
+          <p:nvPr/>
+        </p:nvPicPr>
+        <p:blipFill>
+          <a:blip r:embed="rId3"/>
+          <a:stretch>
+            <a:fillRect/>
+          </a:stretch>
+        </p:blipFill>
+        <p:spPr>
+          <a:xfrm>
+            <a:off x="592088" y="380920"/>
+            <a:ext cx="1991003" cy="571580"/>
+          </a:xfrm>
+          <a:prstGeom prst="rect">
+            <a:avLst/>
+          </a:prstGeom>
+        </p:spPr>
+      </p:pic>
     </p:spTree>
     <p:extLst>
       <p:ext uri="{BB962C8B-B14F-4D97-AF65-F5344CB8AC3E}">
@@ -4010,7 +4041,7 @@
           <a:p>
             <a:r>
               <a:rPr lang="en-US" dirty="0"/>
-              <a:t>Obstacle detection and avoidance using the ultrasonic sensor HC-SR04, which is positioned above a servo motor axis that scans left &amp; right to determine if there is no obstacle right or left to continue moving then go back and follow the line.</a:t>
+              <a:t>Obstacle detection using the ultrasonic sensor HC-SR04, which is positioned above a servo motor axis that scans left &amp; right to determine if there is no obstacle right or left to continue moving then go back and follow the line.</a:t>
             </a:r>
           </a:p>
           <a:p>
@@ -6620,6 +6651,125 @@
 </p:sld>
 </file>
 
+<file path=ppt/slides/slide8.xml><?xml version="1.0" encoding="utf-8"?>
+<p:sld xmlns:a="http://schemas.openxmlformats.org/drawingml/2006/main" xmlns:r="http://schemas.openxmlformats.org/officeDocument/2006/relationships" xmlns:p="http://schemas.openxmlformats.org/presentationml/2006/main">
+  <p:cSld>
+    <p:spTree>
+      <p:nvGrpSpPr>
+        <p:cNvPr id="1" name=""/>
+        <p:cNvGrpSpPr/>
+        <p:nvPr/>
+      </p:nvGrpSpPr>
+      <p:grpSpPr>
+        <a:xfrm>
+          <a:off x="0" y="0"/>
+          <a:ext cx="0" cy="0"/>
+          <a:chOff x="0" y="0"/>
+          <a:chExt cx="0" cy="0"/>
+        </a:xfrm>
+      </p:grpSpPr>
+      <p:sp>
+        <p:nvSpPr>
+          <p:cNvPr id="2" name="Title 1">
+            <a:extLst>
+              <a:ext uri="{FF2B5EF4-FFF2-40B4-BE49-F238E27FC236}">
+                <a16:creationId xmlns:a16="http://schemas.microsoft.com/office/drawing/2014/main" id="{617CC766-FD71-100A-7E77-F0E7C15E98E4}"/>
+              </a:ext>
+            </a:extLst>
+          </p:cNvPr>
+          <p:cNvSpPr>
+            <a:spLocks noGrp="1"/>
+          </p:cNvSpPr>
+          <p:nvPr>
+            <p:ph type="title"/>
+          </p:nvPr>
+        </p:nvSpPr>
+        <p:spPr/>
+        <p:txBody>
+          <a:bodyPr/>
+          <a:lstStyle/>
+          <a:p>
+            <a:r>
+              <a:rPr lang="en-US" dirty="0"/>
+              <a:t>Information</a:t>
+            </a:r>
+          </a:p>
+        </p:txBody>
+      </p:sp>
+      <p:sp>
+        <p:nvSpPr>
+          <p:cNvPr id="3" name="Content Placeholder 2">
+            <a:extLst>
+              <a:ext uri="{FF2B5EF4-FFF2-40B4-BE49-F238E27FC236}">
+                <a16:creationId xmlns:a16="http://schemas.microsoft.com/office/drawing/2014/main" id="{D2D707A4-F832-018E-EC93-6BE755346FA8}"/>
+              </a:ext>
+            </a:extLst>
+          </p:cNvPr>
+          <p:cNvSpPr>
+            <a:spLocks noGrp="1"/>
+          </p:cNvSpPr>
+          <p:nvPr>
+            <p:ph idx="1"/>
+          </p:nvPr>
+        </p:nvSpPr>
+        <p:spPr/>
+        <p:txBody>
+          <a:bodyPr/>
+          <a:lstStyle/>
+          <a:p>
+            <a:r>
+              <a:rPr lang="en-US" dirty="0"/>
+              <a:t>Name: Basel Mohamed Mostafa Sayed</a:t>
+            </a:r>
+          </a:p>
+          <a:p>
+            <a:r>
+              <a:rPr lang="en-US" dirty="0"/>
+              <a:t>Group number: D75-online</a:t>
+            </a:r>
+          </a:p>
+          <a:p>
+            <a:r>
+              <a:rPr lang="en-US" dirty="0"/>
+              <a:t>Email: </a:t>
+            </a:r>
+            <a:r>
+              <a:rPr lang="en-US" dirty="0">
+                <a:hlinkClick r:id="rId2"/>
+              </a:rPr>
+              <a:t>baselmohamed802@gmail.com</a:t>
+            </a:r>
+            <a:endParaRPr lang="en-US" dirty="0"/>
+          </a:p>
+          <a:p>
+            <a:r>
+              <a:rPr lang="en-US"/>
+              <a:t>LinkedIn Profile: </a:t>
+            </a:r>
+            <a:r>
+              <a:rPr lang="en-US" b="0" i="0">
+                <a:effectLst/>
+                <a:latin typeface="-apple-system"/>
+              </a:rPr>
+              <a:t>www.linkedin.com/in/basel-sayed-b11534243</a:t>
+            </a:r>
+            <a:endParaRPr lang="en-US" dirty="0"/>
+          </a:p>
+        </p:txBody>
+      </p:sp>
+    </p:spTree>
+    <p:extLst>
+      <p:ext uri="{BB962C8B-B14F-4D97-AF65-F5344CB8AC3E}">
+        <p14:creationId xmlns:p14="http://schemas.microsoft.com/office/powerpoint/2010/main" val="3597088784"/>
+      </p:ext>
+    </p:extLst>
+  </p:cSld>
+  <p:clrMapOvr>
+    <a:masterClrMapping/>
+  </p:clrMapOvr>
+</p:sld>
+</file>
+
 <file path=ppt/theme/theme1.xml><?xml version="1.0" encoding="utf-8"?>
 <a:theme xmlns:a="http://schemas.openxmlformats.org/drawingml/2006/main" name="DashVTI">
   <a:themeElements>

--- a/Project presentation.pptx
+++ b/Project presentation.pptx
@@ -12,7 +12,8 @@
     <p:sldId id="260" r:id="rId6"/>
     <p:sldId id="261" r:id="rId7"/>
     <p:sldId id="262" r:id="rId8"/>
-    <p:sldId id="263" r:id="rId9"/>
+    <p:sldId id="264" r:id="rId9"/>
+    <p:sldId id="263" r:id="rId10"/>
   </p:sldIdLst>
   <p:sldSz cx="12192000" cy="6858000"/>
   <p:notesSz cx="6858000" cy="9144000"/>
@@ -275,7 +276,7 @@
           <a:p>
             <a:fld id="{6444479B-705B-4489-957E-7E8A228BDFA0}" type="datetime1">
               <a:rPr lang="en-US" smtClean="0"/>
-              <a:t>12/4/2024</a:t>
+              <a:t>12/7/2024</a:t>
             </a:fld>
             <a:endParaRPr lang="en-US"/>
           </a:p>
@@ -475,7 +476,7 @@
           <a:p>
             <a:fld id="{C07B66AD-7C08-490A-ADA4-B47E10FB2407}" type="datetime1">
               <a:rPr lang="en-US" smtClean="0"/>
-              <a:t>12/4/2024</a:t>
+              <a:t>12/7/2024</a:t>
             </a:fld>
             <a:endParaRPr lang="en-US"/>
           </a:p>
@@ -734,7 +735,7 @@
           <a:p>
             <a:fld id="{05B95027-4255-49E7-9841-CD21BCC99996}" type="datetime1">
               <a:rPr lang="en-US" smtClean="0"/>
-              <a:t>12/4/2024</a:t>
+              <a:t>12/7/2024</a:t>
             </a:fld>
             <a:endParaRPr lang="en-US"/>
           </a:p>
@@ -975,7 +976,7 @@
           <a:p>
             <a:fld id="{9F89F774-3FA6-43B8-9241-99959C8FD463}" type="datetime1">
               <a:rPr lang="en-US" smtClean="0"/>
-              <a:t>12/4/2024</a:t>
+              <a:t>12/7/2024</a:t>
             </a:fld>
             <a:endParaRPr lang="en-US"/>
           </a:p>
@@ -1302,7 +1303,7 @@
           <a:p>
             <a:fld id="{F9504452-5DCC-4FE2-A5C9-8A5EF6714D65}" type="datetime1">
               <a:rPr lang="en-US" smtClean="0"/>
-              <a:t>12/4/2024</a:t>
+              <a:t>12/7/2024</a:t>
             </a:fld>
             <a:endParaRPr lang="en-US"/>
           </a:p>
@@ -1612,7 +1613,7 @@
           <a:p>
             <a:fld id="{E579ABC2-0180-4F3A-A895-A85BC724D472}" type="datetime1">
               <a:rPr lang="en-US" smtClean="0"/>
-              <a:t>12/4/2024</a:t>
+              <a:t>12/7/2024</a:t>
             </a:fld>
             <a:endParaRPr lang="en-US"/>
           </a:p>
@@ -2030,7 +2031,7 @@
           <a:p>
             <a:fld id="{6AEEA9BA-4E8F-439E-BEA4-91FBA01E3F5F}" type="datetime1">
               <a:rPr lang="en-US" smtClean="0"/>
-              <a:t>12/4/2024</a:t>
+              <a:t>12/7/2024</a:t>
             </a:fld>
             <a:endParaRPr lang="en-US"/>
           </a:p>
@@ -2172,7 +2173,7 @@
           <a:p>
             <a:fld id="{BE15BF18-0007-481C-AA29-413124BC3EE7}" type="datetime1">
               <a:rPr lang="en-US" smtClean="0"/>
-              <a:t>12/4/2024</a:t>
+              <a:t>12/7/2024</a:t>
             </a:fld>
             <a:endParaRPr lang="en-US"/>
           </a:p>
@@ -2334,7 +2335,7 @@
           <a:p>
             <a:fld id="{09BE9870-3748-43AD-B547-02A075CB4A1D}" type="datetime1">
               <a:rPr lang="en-US" smtClean="0"/>
-              <a:t>12/4/2024</a:t>
+              <a:t>12/7/2024</a:t>
             </a:fld>
             <a:endParaRPr lang="en-US"/>
           </a:p>
@@ -2651,7 +2652,7 @@
           <a:p>
             <a:fld id="{558E7897-33C5-4F1A-9307-D068E37F3DC7}" type="datetime1">
               <a:rPr lang="en-US" smtClean="0"/>
-              <a:t>12/4/2024</a:t>
+              <a:t>12/7/2024</a:t>
             </a:fld>
             <a:endParaRPr lang="en-US"/>
           </a:p>
@@ -2946,7 +2947,7 @@
           <a:p>
             <a:fld id="{82E171BA-CC09-47C8-A6DF-F5C5CB59CEEC}" type="datetime1">
               <a:rPr lang="en-US" smtClean="0"/>
-              <a:t>12/4/2024</a:t>
+              <a:t>12/7/2024</a:t>
             </a:fld>
             <a:endParaRPr lang="en-US"/>
           </a:p>
@@ -3187,7 +3188,7 @@
           <a:p>
             <a:fld id="{7DA38F49-B3E2-4BF0-BEC7-C30D34ABBB8D}" type="datetime1">
               <a:rPr lang="en-US" smtClean="0"/>
-              <a:t>12/4/2024</a:t>
+              <a:t>12/7/2024</a:t>
             </a:fld>
             <a:endParaRPr lang="en-US"/>
           </a:p>
@@ -5937,12 +5938,47 @@
           </a:p>
         </p:txBody>
       </p:sp>
+      <p:pic>
+        <p:nvPicPr>
+          <p:cNvPr id="6" name="Content Placeholder 5" descr="A group of electronic parts on a green surface&#10;&#10;Description automatically generated">
+            <a:extLst>
+              <a:ext uri="{FF2B5EF4-FFF2-40B4-BE49-F238E27FC236}">
+                <a16:creationId xmlns:a16="http://schemas.microsoft.com/office/drawing/2014/main" id="{7F717999-E499-01F2-C37C-FF67F3E301D3}"/>
+              </a:ext>
+            </a:extLst>
+          </p:cNvPr>
+          <p:cNvPicPr>
+            <a:picLocks noGrp="1" noChangeAspect="1"/>
+          </p:cNvPicPr>
+          <p:nvPr>
+            <p:ph idx="1"/>
+          </p:nvPr>
+        </p:nvPicPr>
+        <p:blipFill>
+          <a:blip r:embed="rId2">
+            <a:extLst>
+              <a:ext uri="{28A0092B-C50C-407E-A947-70E740481C1C}">
+                <a14:useLocalDpi xmlns:a14="http://schemas.microsoft.com/office/drawing/2010/main" val="0"/>
+              </a:ext>
+            </a:extLst>
+          </a:blip>
+          <a:stretch>
+            <a:fillRect/>
+          </a:stretch>
+        </p:blipFill>
+        <p:spPr>
+          <a:xfrm>
+            <a:off x="4937125" y="1139730"/>
+            <a:ext cx="6594475" cy="4948428"/>
+          </a:xfrm>
+        </p:spPr>
+      </p:pic>
       <p:sp>
         <p:nvSpPr>
-          <p:cNvPr id="3" name="Content Placeholder 2">
-            <a:extLst>
-              <a:ext uri="{FF2B5EF4-FFF2-40B4-BE49-F238E27FC236}">
-                <a16:creationId xmlns:a16="http://schemas.microsoft.com/office/drawing/2014/main" id="{6F2D67D5-4975-B472-B53F-FBBF9CB079E2}"/>
+          <p:cNvPr id="4" name="Text Placeholder 3">
+            <a:extLst>
+              <a:ext uri="{FF2B5EF4-FFF2-40B4-BE49-F238E27FC236}">
+                <a16:creationId xmlns:a16="http://schemas.microsoft.com/office/drawing/2014/main" id="{421D4AE2-434D-3094-CA8A-2F7126B40983}"/>
               </a:ext>
             </a:extLst>
           </p:cNvPr>
@@ -5950,38 +5986,13 @@
             <a:spLocks noGrp="1"/>
           </p:cNvSpPr>
           <p:nvPr>
-            <p:ph idx="1"/>
+            <p:ph type="body" sz="half" idx="2"/>
           </p:nvPr>
         </p:nvSpPr>
         <p:spPr/>
         <p:txBody>
-          <a:bodyPr/>
-          <a:lstStyle/>
-          <a:p>
-            <a:endParaRPr lang="en-US"/>
-          </a:p>
-        </p:txBody>
-      </p:sp>
-      <p:sp>
-        <p:nvSpPr>
-          <p:cNvPr id="4" name="Text Placeholder 3">
-            <a:extLst>
-              <a:ext uri="{FF2B5EF4-FFF2-40B4-BE49-F238E27FC236}">
-                <a16:creationId xmlns:a16="http://schemas.microsoft.com/office/drawing/2014/main" id="{421D4AE2-434D-3094-CA8A-2F7126B40983}"/>
-              </a:ext>
-            </a:extLst>
-          </p:cNvPr>
-          <p:cNvSpPr>
-            <a:spLocks noGrp="1"/>
-          </p:cNvSpPr>
-          <p:nvPr>
-            <p:ph type="body" sz="half" idx="2"/>
-          </p:nvPr>
-        </p:nvSpPr>
-        <p:spPr/>
-        <p:txBody>
           <a:bodyPr>
-            <a:normAutofit fontScale="92500" lnSpcReduction="20000"/>
+            <a:normAutofit fontScale="77500" lnSpcReduction="20000"/>
           </a:bodyPr>
           <a:lstStyle/>
           <a:p>
@@ -6011,7 +6022,7 @@
           <a:p>
             <a:r>
               <a:rPr lang="en-US" dirty="0"/>
-              <a:t>2x LM7805 5v regulators</a:t>
+              <a:t>1x LM7805 5v regulators</a:t>
             </a:r>
           </a:p>
           <a:p>
@@ -6035,11 +6046,13 @@
           <a:p>
             <a:r>
               <a:rPr lang="en-US" dirty="0"/>
-              <a:t>3x TCRT5000 </a:t>
-            </a:r>
-            <a:r>
-              <a:rPr lang="en-US"/>
-              <a:t>sensor modules</a:t>
+              <a:t>3x TCRT5000 sensor modules</a:t>
+            </a:r>
+          </a:p>
+          <a:p>
+            <a:r>
+              <a:rPr lang="en-US" dirty="0"/>
+              <a:t>1x LCD 16x2 display</a:t>
             </a:r>
           </a:p>
         </p:txBody>
@@ -6673,6 +6686,418 @@
           <p:cNvPr id="2" name="Title 1">
             <a:extLst>
               <a:ext uri="{FF2B5EF4-FFF2-40B4-BE49-F238E27FC236}">
+                <a16:creationId xmlns:a16="http://schemas.microsoft.com/office/drawing/2014/main" id="{5FD70A58-96BA-5073-B5A2-EE97A768C2E2}"/>
+              </a:ext>
+            </a:extLst>
+          </p:cNvPr>
+          <p:cNvSpPr>
+            <a:spLocks noGrp="1"/>
+          </p:cNvSpPr>
+          <p:nvPr>
+            <p:ph type="title"/>
+          </p:nvPr>
+        </p:nvSpPr>
+        <p:spPr/>
+        <p:txBody>
+          <a:bodyPr/>
+          <a:lstStyle/>
+          <a:p>
+            <a:r>
+              <a:rPr lang="en-US" dirty="0"/>
+              <a:t>Pictures:</a:t>
+            </a:r>
+          </a:p>
+        </p:txBody>
+      </p:sp>
+      <p:pic>
+        <p:nvPicPr>
+          <p:cNvPr id="6" name="Content Placeholder 5" descr="A robot on a green mat&#10;&#10;Description automatically generated">
+            <a:extLst>
+              <a:ext uri="{FF2B5EF4-FFF2-40B4-BE49-F238E27FC236}">
+                <a16:creationId xmlns:a16="http://schemas.microsoft.com/office/drawing/2014/main" id="{D6F05C34-DB86-62F8-EAEE-DD02D21BE031}"/>
+              </a:ext>
+            </a:extLst>
+          </p:cNvPr>
+          <p:cNvPicPr>
+            <a:picLocks noGrp="1" noChangeAspect="1"/>
+          </p:cNvPicPr>
+          <p:nvPr>
+            <p:ph sz="half" idx="1"/>
+          </p:nvPr>
+        </p:nvPicPr>
+        <p:blipFill>
+          <a:blip r:embed="rId2">
+            <a:extLst>
+              <a:ext uri="{28A0092B-C50C-407E-A947-70E740481C1C}">
+                <a14:useLocalDpi xmlns:a14="http://schemas.microsoft.com/office/drawing/2010/main" val="0"/>
+              </a:ext>
+            </a:extLst>
+          </a:blip>
+          <a:stretch>
+            <a:fillRect/>
+          </a:stretch>
+        </p:blipFill>
+        <p:spPr>
+          <a:xfrm>
+            <a:off x="868627" y="2633663"/>
+            <a:ext cx="4754033" cy="3565525"/>
+          </a:xfrm>
+        </p:spPr>
+      </p:pic>
+      <p:pic>
+        <p:nvPicPr>
+          <p:cNvPr id="8" name="Content Placeholder 7" descr="A machine with wires and a screen">
+            <a:extLst>
+              <a:ext uri="{FF2B5EF4-FFF2-40B4-BE49-F238E27FC236}">
+                <a16:creationId xmlns:a16="http://schemas.microsoft.com/office/drawing/2014/main" id="{04A332A0-5CF2-205B-4DAA-34153E3EA4FA}"/>
+              </a:ext>
+            </a:extLst>
+          </p:cNvPr>
+          <p:cNvPicPr>
+            <a:picLocks noGrp="1" noChangeAspect="1"/>
+          </p:cNvPicPr>
+          <p:nvPr>
+            <p:ph sz="half" idx="2"/>
+          </p:nvPr>
+        </p:nvPicPr>
+        <p:blipFill>
+          <a:blip r:embed="rId3">
+            <a:extLst>
+              <a:ext uri="{28A0092B-C50C-407E-A947-70E740481C1C}">
+                <a14:useLocalDpi xmlns:a14="http://schemas.microsoft.com/office/drawing/2010/main" val="0"/>
+              </a:ext>
+            </a:extLst>
+          </a:blip>
+          <a:stretch>
+            <a:fillRect/>
+          </a:stretch>
+        </p:blipFill>
+        <p:spPr>
+          <a:xfrm>
+            <a:off x="6547908" y="2633663"/>
+            <a:ext cx="4754033" cy="3565525"/>
+          </a:xfrm>
+        </p:spPr>
+      </p:pic>
+    </p:spTree>
+    <p:extLst>
+      <p:ext uri="{BB962C8B-B14F-4D97-AF65-F5344CB8AC3E}">
+        <p14:creationId xmlns:p14="http://schemas.microsoft.com/office/powerpoint/2010/main" val="1176580787"/>
+      </p:ext>
+    </p:extLst>
+  </p:cSld>
+  <p:clrMapOvr>
+    <a:masterClrMapping/>
+  </p:clrMapOvr>
+  <p:timing>
+    <p:tnLst>
+      <p:par>
+        <p:cTn id="1" dur="indefinite" restart="never" nodeType="tmRoot">
+          <p:childTnLst>
+            <p:seq concurrent="1" nextAc="seek">
+              <p:cTn id="2" dur="indefinite" nodeType="mainSeq">
+                <p:childTnLst>
+                  <p:par>
+                    <p:cTn id="3" fill="hold">
+                      <p:stCondLst>
+                        <p:cond delay="indefinite"/>
+                      </p:stCondLst>
+                      <p:childTnLst>
+                        <p:par>
+                          <p:cTn id="4" fill="hold">
+                            <p:stCondLst>
+                              <p:cond delay="0"/>
+                            </p:stCondLst>
+                            <p:childTnLst>
+                              <p:par>
+                                <p:cTn id="5" presetID="10" presetClass="entr" presetSubtype="0" fill="hold" grpId="0" nodeType="clickEffect">
+                                  <p:stCondLst>
+                                    <p:cond delay="0"/>
+                                  </p:stCondLst>
+                                  <p:childTnLst>
+                                    <p:set>
+                                      <p:cBhvr>
+                                        <p:cTn id="6" dur="1" fill="hold">
+                                          <p:stCondLst>
+                                            <p:cond delay="0"/>
+                                          </p:stCondLst>
+                                        </p:cTn>
+                                        <p:tgtEl>
+                                          <p:spTgt spid="2"/>
+                                        </p:tgtEl>
+                                        <p:attrNameLst>
+                                          <p:attrName>style.visibility</p:attrName>
+                                        </p:attrNameLst>
+                                      </p:cBhvr>
+                                      <p:to>
+                                        <p:strVal val="visible"/>
+                                      </p:to>
+                                    </p:set>
+                                    <p:animEffect transition="in" filter="fade">
+                                      <p:cBhvr>
+                                        <p:cTn id="7" dur="500"/>
+                                        <p:tgtEl>
+                                          <p:spTgt spid="2"/>
+                                        </p:tgtEl>
+                                      </p:cBhvr>
+                                    </p:animEffect>
+                                  </p:childTnLst>
+                                </p:cTn>
+                              </p:par>
+                            </p:childTnLst>
+                          </p:cTn>
+                        </p:par>
+                      </p:childTnLst>
+                    </p:cTn>
+                  </p:par>
+                  <p:par>
+                    <p:cTn id="8" fill="hold">
+                      <p:stCondLst>
+                        <p:cond delay="indefinite"/>
+                      </p:stCondLst>
+                      <p:childTnLst>
+                        <p:par>
+                          <p:cTn id="9" fill="hold">
+                            <p:stCondLst>
+                              <p:cond delay="0"/>
+                            </p:stCondLst>
+                            <p:childTnLst>
+                              <p:par>
+                                <p:cTn id="10" presetID="42" presetClass="entr" presetSubtype="0" fill="hold" nodeType="clickEffect">
+                                  <p:stCondLst>
+                                    <p:cond delay="0"/>
+                                  </p:stCondLst>
+                                  <p:childTnLst>
+                                    <p:set>
+                                      <p:cBhvr>
+                                        <p:cTn id="11" dur="1" fill="hold">
+                                          <p:stCondLst>
+                                            <p:cond delay="0"/>
+                                          </p:stCondLst>
+                                        </p:cTn>
+                                        <p:tgtEl>
+                                          <p:spTgt spid="6"/>
+                                        </p:tgtEl>
+                                        <p:attrNameLst>
+                                          <p:attrName>style.visibility</p:attrName>
+                                        </p:attrNameLst>
+                                      </p:cBhvr>
+                                      <p:to>
+                                        <p:strVal val="visible"/>
+                                      </p:to>
+                                    </p:set>
+                                    <p:animEffect transition="in" filter="fade">
+                                      <p:cBhvr>
+                                        <p:cTn id="12" dur="1000"/>
+                                        <p:tgtEl>
+                                          <p:spTgt spid="6"/>
+                                        </p:tgtEl>
+                                      </p:cBhvr>
+                                    </p:animEffect>
+                                    <p:anim calcmode="lin" valueType="num">
+                                      <p:cBhvr>
+                                        <p:cTn id="13" dur="1000" fill="hold"/>
+                                        <p:tgtEl>
+                                          <p:spTgt spid="6"/>
+                                        </p:tgtEl>
+                                        <p:attrNameLst>
+                                          <p:attrName>ppt_x</p:attrName>
+                                        </p:attrNameLst>
+                                      </p:cBhvr>
+                                      <p:tavLst>
+                                        <p:tav tm="0">
+                                          <p:val>
+                                            <p:strVal val="#ppt_x"/>
+                                          </p:val>
+                                        </p:tav>
+                                        <p:tav tm="100000">
+                                          <p:val>
+                                            <p:strVal val="#ppt_x"/>
+                                          </p:val>
+                                        </p:tav>
+                                      </p:tavLst>
+                                    </p:anim>
+                                    <p:anim calcmode="lin" valueType="num">
+                                      <p:cBhvr>
+                                        <p:cTn id="14" dur="1000" fill="hold"/>
+                                        <p:tgtEl>
+                                          <p:spTgt spid="6"/>
+                                        </p:tgtEl>
+                                        <p:attrNameLst>
+                                          <p:attrName>ppt_y</p:attrName>
+                                        </p:attrNameLst>
+                                      </p:cBhvr>
+                                      <p:tavLst>
+                                        <p:tav tm="0">
+                                          <p:val>
+                                            <p:strVal val="#ppt_y+.1"/>
+                                          </p:val>
+                                        </p:tav>
+                                        <p:tav tm="100000">
+                                          <p:val>
+                                            <p:strVal val="#ppt_y"/>
+                                          </p:val>
+                                        </p:tav>
+                                      </p:tavLst>
+                                    </p:anim>
+                                  </p:childTnLst>
+                                </p:cTn>
+                              </p:par>
+                            </p:childTnLst>
+                          </p:cTn>
+                        </p:par>
+                      </p:childTnLst>
+                    </p:cTn>
+                  </p:par>
+                  <p:par>
+                    <p:cTn id="15" fill="hold">
+                      <p:stCondLst>
+                        <p:cond delay="indefinite"/>
+                      </p:stCondLst>
+                      <p:childTnLst>
+                        <p:par>
+                          <p:cTn id="16" fill="hold">
+                            <p:stCondLst>
+                              <p:cond delay="0"/>
+                            </p:stCondLst>
+                            <p:childTnLst>
+                              <p:par>
+                                <p:cTn id="17" presetID="42" presetClass="entr" presetSubtype="0" fill="hold" nodeType="clickEffect">
+                                  <p:stCondLst>
+                                    <p:cond delay="0"/>
+                                  </p:stCondLst>
+                                  <p:childTnLst>
+                                    <p:set>
+                                      <p:cBhvr>
+                                        <p:cTn id="18" dur="1" fill="hold">
+                                          <p:stCondLst>
+                                            <p:cond delay="0"/>
+                                          </p:stCondLst>
+                                        </p:cTn>
+                                        <p:tgtEl>
+                                          <p:spTgt spid="8"/>
+                                        </p:tgtEl>
+                                        <p:attrNameLst>
+                                          <p:attrName>style.visibility</p:attrName>
+                                        </p:attrNameLst>
+                                      </p:cBhvr>
+                                      <p:to>
+                                        <p:strVal val="visible"/>
+                                      </p:to>
+                                    </p:set>
+                                    <p:animEffect transition="in" filter="fade">
+                                      <p:cBhvr>
+                                        <p:cTn id="19" dur="1000"/>
+                                        <p:tgtEl>
+                                          <p:spTgt spid="8"/>
+                                        </p:tgtEl>
+                                      </p:cBhvr>
+                                    </p:animEffect>
+                                    <p:anim calcmode="lin" valueType="num">
+                                      <p:cBhvr>
+                                        <p:cTn id="20" dur="1000" fill="hold"/>
+                                        <p:tgtEl>
+                                          <p:spTgt spid="8"/>
+                                        </p:tgtEl>
+                                        <p:attrNameLst>
+                                          <p:attrName>ppt_x</p:attrName>
+                                        </p:attrNameLst>
+                                      </p:cBhvr>
+                                      <p:tavLst>
+                                        <p:tav tm="0">
+                                          <p:val>
+                                            <p:strVal val="#ppt_x"/>
+                                          </p:val>
+                                        </p:tav>
+                                        <p:tav tm="100000">
+                                          <p:val>
+                                            <p:strVal val="#ppt_x"/>
+                                          </p:val>
+                                        </p:tav>
+                                      </p:tavLst>
+                                    </p:anim>
+                                    <p:anim calcmode="lin" valueType="num">
+                                      <p:cBhvr>
+                                        <p:cTn id="21" dur="1000" fill="hold"/>
+                                        <p:tgtEl>
+                                          <p:spTgt spid="8"/>
+                                        </p:tgtEl>
+                                        <p:attrNameLst>
+                                          <p:attrName>ppt_y</p:attrName>
+                                        </p:attrNameLst>
+                                      </p:cBhvr>
+                                      <p:tavLst>
+                                        <p:tav tm="0">
+                                          <p:val>
+                                            <p:strVal val="#ppt_y+.1"/>
+                                          </p:val>
+                                        </p:tav>
+                                        <p:tav tm="100000">
+                                          <p:val>
+                                            <p:strVal val="#ppt_y"/>
+                                          </p:val>
+                                        </p:tav>
+                                      </p:tavLst>
+                                    </p:anim>
+                                  </p:childTnLst>
+                                </p:cTn>
+                              </p:par>
+                            </p:childTnLst>
+                          </p:cTn>
+                        </p:par>
+                      </p:childTnLst>
+                    </p:cTn>
+                  </p:par>
+                </p:childTnLst>
+              </p:cTn>
+              <p:prevCondLst>
+                <p:cond evt="onPrev" delay="0">
+                  <p:tgtEl>
+                    <p:sldTgt/>
+                  </p:tgtEl>
+                </p:cond>
+              </p:prevCondLst>
+              <p:nextCondLst>
+                <p:cond evt="onNext" delay="0">
+                  <p:tgtEl>
+                    <p:sldTgt/>
+                  </p:tgtEl>
+                </p:cond>
+              </p:nextCondLst>
+            </p:seq>
+          </p:childTnLst>
+        </p:cTn>
+      </p:par>
+    </p:tnLst>
+    <p:bldLst>
+      <p:bldP spid="2" grpId="0"/>
+    </p:bldLst>
+  </p:timing>
+</p:sld>
+</file>
+
+<file path=ppt/slides/slide9.xml><?xml version="1.0" encoding="utf-8"?>
+<p:sld xmlns:a="http://schemas.openxmlformats.org/drawingml/2006/main" xmlns:r="http://schemas.openxmlformats.org/officeDocument/2006/relationships" xmlns:p="http://schemas.openxmlformats.org/presentationml/2006/main">
+  <p:cSld>
+    <p:spTree>
+      <p:nvGrpSpPr>
+        <p:cNvPr id="1" name=""/>
+        <p:cNvGrpSpPr/>
+        <p:nvPr/>
+      </p:nvGrpSpPr>
+      <p:grpSpPr>
+        <a:xfrm>
+          <a:off x="0" y="0"/>
+          <a:ext cx="0" cy="0"/>
+          <a:chOff x="0" y="0"/>
+          <a:chExt cx="0" cy="0"/>
+        </a:xfrm>
+      </p:grpSpPr>
+      <p:sp>
+        <p:nvSpPr>
+          <p:cNvPr id="2" name="Title 1">
+            <a:extLst>
+              <a:ext uri="{FF2B5EF4-FFF2-40B4-BE49-F238E27FC236}">
                 <a16:creationId xmlns:a16="http://schemas.microsoft.com/office/drawing/2014/main" id="{617CC766-FD71-100A-7E77-F0E7C15E98E4}"/>
               </a:ext>
             </a:extLst>
@@ -6743,11 +7168,11 @@
           </a:p>
           <a:p>
             <a:r>
-              <a:rPr lang="en-US"/>
+              <a:rPr lang="en-US" dirty="0"/>
               <a:t>LinkedIn Profile: </a:t>
             </a:r>
             <a:r>
-              <a:rPr lang="en-US" b="0" i="0">
+              <a:rPr lang="en-US" b="0" i="0" dirty="0">
                 <a:effectLst/>
                 <a:latin typeface="-apple-system"/>
               </a:rPr>
@@ -6767,6 +7192,729 @@
   <p:clrMapOvr>
     <a:masterClrMapping/>
   </p:clrMapOvr>
+  <p:timing>
+    <p:tnLst>
+      <p:par>
+        <p:cTn id="1" dur="indefinite" restart="never" nodeType="tmRoot">
+          <p:childTnLst>
+            <p:seq concurrent="1" nextAc="seek">
+              <p:cTn id="2" dur="indefinite" nodeType="mainSeq">
+                <p:childTnLst>
+                  <p:par>
+                    <p:cTn id="3" fill="hold">
+                      <p:stCondLst>
+                        <p:cond delay="indefinite"/>
+                      </p:stCondLst>
+                      <p:childTnLst>
+                        <p:par>
+                          <p:cTn id="4" fill="hold">
+                            <p:stCondLst>
+                              <p:cond delay="0"/>
+                            </p:stCondLst>
+                            <p:childTnLst>
+                              <p:par>
+                                <p:cTn id="5" presetID="31" presetClass="entr" presetSubtype="0" fill="hold" grpId="0" nodeType="clickEffect">
+                                  <p:stCondLst>
+                                    <p:cond delay="0"/>
+                                  </p:stCondLst>
+                                  <p:childTnLst>
+                                    <p:set>
+                                      <p:cBhvr>
+                                        <p:cTn id="6" dur="1" fill="hold">
+                                          <p:stCondLst>
+                                            <p:cond delay="0"/>
+                                          </p:stCondLst>
+                                        </p:cTn>
+                                        <p:tgtEl>
+                                          <p:spTgt spid="2"/>
+                                        </p:tgtEl>
+                                        <p:attrNameLst>
+                                          <p:attrName>style.visibility</p:attrName>
+                                        </p:attrNameLst>
+                                      </p:cBhvr>
+                                      <p:to>
+                                        <p:strVal val="visible"/>
+                                      </p:to>
+                                    </p:set>
+                                    <p:anim calcmode="lin" valueType="num">
+                                      <p:cBhvr>
+                                        <p:cTn id="7" dur="1000" fill="hold"/>
+                                        <p:tgtEl>
+                                          <p:spTgt spid="2"/>
+                                        </p:tgtEl>
+                                        <p:attrNameLst>
+                                          <p:attrName>ppt_w</p:attrName>
+                                        </p:attrNameLst>
+                                      </p:cBhvr>
+                                      <p:tavLst>
+                                        <p:tav tm="0">
+                                          <p:val>
+                                            <p:fltVal val="0"/>
+                                          </p:val>
+                                        </p:tav>
+                                        <p:tav tm="100000">
+                                          <p:val>
+                                            <p:strVal val="#ppt_w"/>
+                                          </p:val>
+                                        </p:tav>
+                                      </p:tavLst>
+                                    </p:anim>
+                                    <p:anim calcmode="lin" valueType="num">
+                                      <p:cBhvr>
+                                        <p:cTn id="8" dur="1000" fill="hold"/>
+                                        <p:tgtEl>
+                                          <p:spTgt spid="2"/>
+                                        </p:tgtEl>
+                                        <p:attrNameLst>
+                                          <p:attrName>ppt_h</p:attrName>
+                                        </p:attrNameLst>
+                                      </p:cBhvr>
+                                      <p:tavLst>
+                                        <p:tav tm="0">
+                                          <p:val>
+                                            <p:fltVal val="0"/>
+                                          </p:val>
+                                        </p:tav>
+                                        <p:tav tm="100000">
+                                          <p:val>
+                                            <p:strVal val="#ppt_h"/>
+                                          </p:val>
+                                        </p:tav>
+                                      </p:tavLst>
+                                    </p:anim>
+                                    <p:anim calcmode="lin" valueType="num">
+                                      <p:cBhvr>
+                                        <p:cTn id="9" dur="1000" fill="hold"/>
+                                        <p:tgtEl>
+                                          <p:spTgt spid="2"/>
+                                        </p:tgtEl>
+                                        <p:attrNameLst>
+                                          <p:attrName>style.rotation</p:attrName>
+                                        </p:attrNameLst>
+                                      </p:cBhvr>
+                                      <p:tavLst>
+                                        <p:tav tm="0">
+                                          <p:val>
+                                            <p:fltVal val="90"/>
+                                          </p:val>
+                                        </p:tav>
+                                        <p:tav tm="100000">
+                                          <p:val>
+                                            <p:fltVal val="0"/>
+                                          </p:val>
+                                        </p:tav>
+                                      </p:tavLst>
+                                    </p:anim>
+                                    <p:animEffect transition="in" filter="fade">
+                                      <p:cBhvr>
+                                        <p:cTn id="10" dur="1000"/>
+                                        <p:tgtEl>
+                                          <p:spTgt spid="2"/>
+                                        </p:tgtEl>
+                                      </p:cBhvr>
+                                    </p:animEffect>
+                                  </p:childTnLst>
+                                </p:cTn>
+                              </p:par>
+                            </p:childTnLst>
+                          </p:cTn>
+                        </p:par>
+                      </p:childTnLst>
+                    </p:cTn>
+                  </p:par>
+                  <p:par>
+                    <p:cTn id="11" fill="hold">
+                      <p:stCondLst>
+                        <p:cond delay="indefinite"/>
+                      </p:stCondLst>
+                      <p:childTnLst>
+                        <p:par>
+                          <p:cTn id="12" fill="hold">
+                            <p:stCondLst>
+                              <p:cond delay="0"/>
+                            </p:stCondLst>
+                            <p:childTnLst>
+                              <p:par>
+                                <p:cTn id="13" presetID="31" presetClass="entr" presetSubtype="0" fill="hold" nodeType="clickEffect">
+                                  <p:stCondLst>
+                                    <p:cond delay="0"/>
+                                  </p:stCondLst>
+                                  <p:childTnLst>
+                                    <p:set>
+                                      <p:cBhvr>
+                                        <p:cTn id="14" dur="1" fill="hold">
+                                          <p:stCondLst>
+                                            <p:cond delay="0"/>
+                                          </p:stCondLst>
+                                        </p:cTn>
+                                        <p:tgtEl>
+                                          <p:spTgt spid="3">
+                                            <p:txEl>
+                                              <p:pRg st="0" end="0"/>
+                                            </p:txEl>
+                                          </p:spTgt>
+                                        </p:tgtEl>
+                                        <p:attrNameLst>
+                                          <p:attrName>style.visibility</p:attrName>
+                                        </p:attrNameLst>
+                                      </p:cBhvr>
+                                      <p:to>
+                                        <p:strVal val="visible"/>
+                                      </p:to>
+                                    </p:set>
+                                    <p:anim calcmode="lin" valueType="num">
+                                      <p:cBhvr>
+                                        <p:cTn id="15" dur="1000" fill="hold"/>
+                                        <p:tgtEl>
+                                          <p:spTgt spid="3">
+                                            <p:txEl>
+                                              <p:pRg st="0" end="0"/>
+                                            </p:txEl>
+                                          </p:spTgt>
+                                        </p:tgtEl>
+                                        <p:attrNameLst>
+                                          <p:attrName>ppt_w</p:attrName>
+                                        </p:attrNameLst>
+                                      </p:cBhvr>
+                                      <p:tavLst>
+                                        <p:tav tm="0">
+                                          <p:val>
+                                            <p:fltVal val="0"/>
+                                          </p:val>
+                                        </p:tav>
+                                        <p:tav tm="100000">
+                                          <p:val>
+                                            <p:strVal val="#ppt_w"/>
+                                          </p:val>
+                                        </p:tav>
+                                      </p:tavLst>
+                                    </p:anim>
+                                    <p:anim calcmode="lin" valueType="num">
+                                      <p:cBhvr>
+                                        <p:cTn id="16" dur="1000" fill="hold"/>
+                                        <p:tgtEl>
+                                          <p:spTgt spid="3">
+                                            <p:txEl>
+                                              <p:pRg st="0" end="0"/>
+                                            </p:txEl>
+                                          </p:spTgt>
+                                        </p:tgtEl>
+                                        <p:attrNameLst>
+                                          <p:attrName>ppt_h</p:attrName>
+                                        </p:attrNameLst>
+                                      </p:cBhvr>
+                                      <p:tavLst>
+                                        <p:tav tm="0">
+                                          <p:val>
+                                            <p:fltVal val="0"/>
+                                          </p:val>
+                                        </p:tav>
+                                        <p:tav tm="100000">
+                                          <p:val>
+                                            <p:strVal val="#ppt_h"/>
+                                          </p:val>
+                                        </p:tav>
+                                      </p:tavLst>
+                                    </p:anim>
+                                    <p:anim calcmode="lin" valueType="num">
+                                      <p:cBhvr>
+                                        <p:cTn id="17" dur="1000" fill="hold"/>
+                                        <p:tgtEl>
+                                          <p:spTgt spid="3">
+                                            <p:txEl>
+                                              <p:pRg st="0" end="0"/>
+                                            </p:txEl>
+                                          </p:spTgt>
+                                        </p:tgtEl>
+                                        <p:attrNameLst>
+                                          <p:attrName>style.rotation</p:attrName>
+                                        </p:attrNameLst>
+                                      </p:cBhvr>
+                                      <p:tavLst>
+                                        <p:tav tm="0">
+                                          <p:val>
+                                            <p:fltVal val="90"/>
+                                          </p:val>
+                                        </p:tav>
+                                        <p:tav tm="100000">
+                                          <p:val>
+                                            <p:fltVal val="0"/>
+                                          </p:val>
+                                        </p:tav>
+                                      </p:tavLst>
+                                    </p:anim>
+                                    <p:animEffect transition="in" filter="fade">
+                                      <p:cBhvr>
+                                        <p:cTn id="18" dur="1000"/>
+                                        <p:tgtEl>
+                                          <p:spTgt spid="3">
+                                            <p:txEl>
+                                              <p:pRg st="0" end="0"/>
+                                            </p:txEl>
+                                          </p:spTgt>
+                                        </p:tgtEl>
+                                      </p:cBhvr>
+                                    </p:animEffect>
+                                  </p:childTnLst>
+                                </p:cTn>
+                              </p:par>
+                            </p:childTnLst>
+                          </p:cTn>
+                        </p:par>
+                      </p:childTnLst>
+                    </p:cTn>
+                  </p:par>
+                  <p:par>
+                    <p:cTn id="19" fill="hold">
+                      <p:stCondLst>
+                        <p:cond delay="indefinite"/>
+                      </p:stCondLst>
+                      <p:childTnLst>
+                        <p:par>
+                          <p:cTn id="20" fill="hold">
+                            <p:stCondLst>
+                              <p:cond delay="0"/>
+                            </p:stCondLst>
+                            <p:childTnLst>
+                              <p:par>
+                                <p:cTn id="21" presetID="31" presetClass="entr" presetSubtype="0" fill="hold" nodeType="clickEffect">
+                                  <p:stCondLst>
+                                    <p:cond delay="0"/>
+                                  </p:stCondLst>
+                                  <p:childTnLst>
+                                    <p:set>
+                                      <p:cBhvr>
+                                        <p:cTn id="22" dur="1" fill="hold">
+                                          <p:stCondLst>
+                                            <p:cond delay="0"/>
+                                          </p:stCondLst>
+                                        </p:cTn>
+                                        <p:tgtEl>
+                                          <p:spTgt spid="3">
+                                            <p:txEl>
+                                              <p:pRg st="1" end="1"/>
+                                            </p:txEl>
+                                          </p:spTgt>
+                                        </p:tgtEl>
+                                        <p:attrNameLst>
+                                          <p:attrName>style.visibility</p:attrName>
+                                        </p:attrNameLst>
+                                      </p:cBhvr>
+                                      <p:to>
+                                        <p:strVal val="visible"/>
+                                      </p:to>
+                                    </p:set>
+                                    <p:anim calcmode="lin" valueType="num">
+                                      <p:cBhvr>
+                                        <p:cTn id="23" dur="1000" fill="hold"/>
+                                        <p:tgtEl>
+                                          <p:spTgt spid="3">
+                                            <p:txEl>
+                                              <p:pRg st="1" end="1"/>
+                                            </p:txEl>
+                                          </p:spTgt>
+                                        </p:tgtEl>
+                                        <p:attrNameLst>
+                                          <p:attrName>ppt_w</p:attrName>
+                                        </p:attrNameLst>
+                                      </p:cBhvr>
+                                      <p:tavLst>
+                                        <p:tav tm="0">
+                                          <p:val>
+                                            <p:fltVal val="0"/>
+                                          </p:val>
+                                        </p:tav>
+                                        <p:tav tm="100000">
+                                          <p:val>
+                                            <p:strVal val="#ppt_w"/>
+                                          </p:val>
+                                        </p:tav>
+                                      </p:tavLst>
+                                    </p:anim>
+                                    <p:anim calcmode="lin" valueType="num">
+                                      <p:cBhvr>
+                                        <p:cTn id="24" dur="1000" fill="hold"/>
+                                        <p:tgtEl>
+                                          <p:spTgt spid="3">
+                                            <p:txEl>
+                                              <p:pRg st="1" end="1"/>
+                                            </p:txEl>
+                                          </p:spTgt>
+                                        </p:tgtEl>
+                                        <p:attrNameLst>
+                                          <p:attrName>ppt_h</p:attrName>
+                                        </p:attrNameLst>
+                                      </p:cBhvr>
+                                      <p:tavLst>
+                                        <p:tav tm="0">
+                                          <p:val>
+                                            <p:fltVal val="0"/>
+                                          </p:val>
+                                        </p:tav>
+                                        <p:tav tm="100000">
+                                          <p:val>
+                                            <p:strVal val="#ppt_h"/>
+                                          </p:val>
+                                        </p:tav>
+                                      </p:tavLst>
+                                    </p:anim>
+                                    <p:anim calcmode="lin" valueType="num">
+                                      <p:cBhvr>
+                                        <p:cTn id="25" dur="1000" fill="hold"/>
+                                        <p:tgtEl>
+                                          <p:spTgt spid="3">
+                                            <p:txEl>
+                                              <p:pRg st="1" end="1"/>
+                                            </p:txEl>
+                                          </p:spTgt>
+                                        </p:tgtEl>
+                                        <p:attrNameLst>
+                                          <p:attrName>style.rotation</p:attrName>
+                                        </p:attrNameLst>
+                                      </p:cBhvr>
+                                      <p:tavLst>
+                                        <p:tav tm="0">
+                                          <p:val>
+                                            <p:fltVal val="90"/>
+                                          </p:val>
+                                        </p:tav>
+                                        <p:tav tm="100000">
+                                          <p:val>
+                                            <p:fltVal val="0"/>
+                                          </p:val>
+                                        </p:tav>
+                                      </p:tavLst>
+                                    </p:anim>
+                                    <p:animEffect transition="in" filter="fade">
+                                      <p:cBhvr>
+                                        <p:cTn id="26" dur="1000"/>
+                                        <p:tgtEl>
+                                          <p:spTgt spid="3">
+                                            <p:txEl>
+                                              <p:pRg st="1" end="1"/>
+                                            </p:txEl>
+                                          </p:spTgt>
+                                        </p:tgtEl>
+                                      </p:cBhvr>
+                                    </p:animEffect>
+                                  </p:childTnLst>
+                                </p:cTn>
+                              </p:par>
+                            </p:childTnLst>
+                          </p:cTn>
+                        </p:par>
+                      </p:childTnLst>
+                    </p:cTn>
+                  </p:par>
+                  <p:par>
+                    <p:cTn id="27" fill="hold">
+                      <p:stCondLst>
+                        <p:cond delay="indefinite"/>
+                      </p:stCondLst>
+                      <p:childTnLst>
+                        <p:par>
+                          <p:cTn id="28" fill="hold">
+                            <p:stCondLst>
+                              <p:cond delay="0"/>
+                            </p:stCondLst>
+                            <p:childTnLst>
+                              <p:par>
+                                <p:cTn id="29" presetID="31" presetClass="entr" presetSubtype="0" fill="hold" nodeType="clickEffect">
+                                  <p:stCondLst>
+                                    <p:cond delay="0"/>
+                                  </p:stCondLst>
+                                  <p:childTnLst>
+                                    <p:set>
+                                      <p:cBhvr>
+                                        <p:cTn id="30" dur="1" fill="hold">
+                                          <p:stCondLst>
+                                            <p:cond delay="0"/>
+                                          </p:stCondLst>
+                                        </p:cTn>
+                                        <p:tgtEl>
+                                          <p:spTgt spid="3">
+                                            <p:txEl>
+                                              <p:pRg st="2" end="2"/>
+                                            </p:txEl>
+                                          </p:spTgt>
+                                        </p:tgtEl>
+                                        <p:attrNameLst>
+                                          <p:attrName>style.visibility</p:attrName>
+                                        </p:attrNameLst>
+                                      </p:cBhvr>
+                                      <p:to>
+                                        <p:strVal val="visible"/>
+                                      </p:to>
+                                    </p:set>
+                                    <p:anim calcmode="lin" valueType="num">
+                                      <p:cBhvr>
+                                        <p:cTn id="31" dur="1000" fill="hold"/>
+                                        <p:tgtEl>
+                                          <p:spTgt spid="3">
+                                            <p:txEl>
+                                              <p:pRg st="2" end="2"/>
+                                            </p:txEl>
+                                          </p:spTgt>
+                                        </p:tgtEl>
+                                        <p:attrNameLst>
+                                          <p:attrName>ppt_w</p:attrName>
+                                        </p:attrNameLst>
+                                      </p:cBhvr>
+                                      <p:tavLst>
+                                        <p:tav tm="0">
+                                          <p:val>
+                                            <p:fltVal val="0"/>
+                                          </p:val>
+                                        </p:tav>
+                                        <p:tav tm="100000">
+                                          <p:val>
+                                            <p:strVal val="#ppt_w"/>
+                                          </p:val>
+                                        </p:tav>
+                                      </p:tavLst>
+                                    </p:anim>
+                                    <p:anim calcmode="lin" valueType="num">
+                                      <p:cBhvr>
+                                        <p:cTn id="32" dur="1000" fill="hold"/>
+                                        <p:tgtEl>
+                                          <p:spTgt spid="3">
+                                            <p:txEl>
+                                              <p:pRg st="2" end="2"/>
+                                            </p:txEl>
+                                          </p:spTgt>
+                                        </p:tgtEl>
+                                        <p:attrNameLst>
+                                          <p:attrName>ppt_h</p:attrName>
+                                        </p:attrNameLst>
+                                      </p:cBhvr>
+                                      <p:tavLst>
+                                        <p:tav tm="0">
+                                          <p:val>
+                                            <p:fltVal val="0"/>
+                                          </p:val>
+                                        </p:tav>
+                                        <p:tav tm="100000">
+                                          <p:val>
+                                            <p:strVal val="#ppt_h"/>
+                                          </p:val>
+                                        </p:tav>
+                                      </p:tavLst>
+                                    </p:anim>
+                                    <p:anim calcmode="lin" valueType="num">
+                                      <p:cBhvr>
+                                        <p:cTn id="33" dur="1000" fill="hold"/>
+                                        <p:tgtEl>
+                                          <p:spTgt spid="3">
+                                            <p:txEl>
+                                              <p:pRg st="2" end="2"/>
+                                            </p:txEl>
+                                          </p:spTgt>
+                                        </p:tgtEl>
+                                        <p:attrNameLst>
+                                          <p:attrName>style.rotation</p:attrName>
+                                        </p:attrNameLst>
+                                      </p:cBhvr>
+                                      <p:tavLst>
+                                        <p:tav tm="0">
+                                          <p:val>
+                                            <p:fltVal val="90"/>
+                                          </p:val>
+                                        </p:tav>
+                                        <p:tav tm="100000">
+                                          <p:val>
+                                            <p:fltVal val="0"/>
+                                          </p:val>
+                                        </p:tav>
+                                      </p:tavLst>
+                                    </p:anim>
+                                    <p:animEffect transition="in" filter="fade">
+                                      <p:cBhvr>
+                                        <p:cTn id="34" dur="1000"/>
+                                        <p:tgtEl>
+                                          <p:spTgt spid="3">
+                                            <p:txEl>
+                                              <p:pRg st="2" end="2"/>
+                                            </p:txEl>
+                                          </p:spTgt>
+                                        </p:tgtEl>
+                                      </p:cBhvr>
+                                    </p:animEffect>
+                                  </p:childTnLst>
+                                </p:cTn>
+                              </p:par>
+                            </p:childTnLst>
+                          </p:cTn>
+                        </p:par>
+                      </p:childTnLst>
+                    </p:cTn>
+                  </p:par>
+                  <p:par>
+                    <p:cTn id="35" fill="hold">
+                      <p:stCondLst>
+                        <p:cond delay="indefinite"/>
+                      </p:stCondLst>
+                      <p:childTnLst>
+                        <p:par>
+                          <p:cTn id="36" fill="hold">
+                            <p:stCondLst>
+                              <p:cond delay="0"/>
+                            </p:stCondLst>
+                            <p:childTnLst>
+                              <p:par>
+                                <p:cTn id="37" presetID="31" presetClass="entr" presetSubtype="0" fill="hold" nodeType="clickEffect">
+                                  <p:stCondLst>
+                                    <p:cond delay="0"/>
+                                  </p:stCondLst>
+                                  <p:childTnLst>
+                                    <p:set>
+                                      <p:cBhvr>
+                                        <p:cTn id="38" dur="1" fill="hold">
+                                          <p:stCondLst>
+                                            <p:cond delay="0"/>
+                                          </p:stCondLst>
+                                        </p:cTn>
+                                        <p:tgtEl>
+                                          <p:spTgt spid="3">
+                                            <p:txEl>
+                                              <p:pRg st="3" end="3"/>
+                                            </p:txEl>
+                                          </p:spTgt>
+                                        </p:tgtEl>
+                                        <p:attrNameLst>
+                                          <p:attrName>style.visibility</p:attrName>
+                                        </p:attrNameLst>
+                                      </p:cBhvr>
+                                      <p:to>
+                                        <p:strVal val="visible"/>
+                                      </p:to>
+                                    </p:set>
+                                    <p:anim calcmode="lin" valueType="num">
+                                      <p:cBhvr>
+                                        <p:cTn id="39" dur="1000" fill="hold"/>
+                                        <p:tgtEl>
+                                          <p:spTgt spid="3">
+                                            <p:txEl>
+                                              <p:pRg st="3" end="3"/>
+                                            </p:txEl>
+                                          </p:spTgt>
+                                        </p:tgtEl>
+                                        <p:attrNameLst>
+                                          <p:attrName>ppt_w</p:attrName>
+                                        </p:attrNameLst>
+                                      </p:cBhvr>
+                                      <p:tavLst>
+                                        <p:tav tm="0">
+                                          <p:val>
+                                            <p:fltVal val="0"/>
+                                          </p:val>
+                                        </p:tav>
+                                        <p:tav tm="100000">
+                                          <p:val>
+                                            <p:strVal val="#ppt_w"/>
+                                          </p:val>
+                                        </p:tav>
+                                      </p:tavLst>
+                                    </p:anim>
+                                    <p:anim calcmode="lin" valueType="num">
+                                      <p:cBhvr>
+                                        <p:cTn id="40" dur="1000" fill="hold"/>
+                                        <p:tgtEl>
+                                          <p:spTgt spid="3">
+                                            <p:txEl>
+                                              <p:pRg st="3" end="3"/>
+                                            </p:txEl>
+                                          </p:spTgt>
+                                        </p:tgtEl>
+                                        <p:attrNameLst>
+                                          <p:attrName>ppt_h</p:attrName>
+                                        </p:attrNameLst>
+                                      </p:cBhvr>
+                                      <p:tavLst>
+                                        <p:tav tm="0">
+                                          <p:val>
+                                            <p:fltVal val="0"/>
+                                          </p:val>
+                                        </p:tav>
+                                        <p:tav tm="100000">
+                                          <p:val>
+                                            <p:strVal val="#ppt_h"/>
+                                          </p:val>
+                                        </p:tav>
+                                      </p:tavLst>
+                                    </p:anim>
+                                    <p:anim calcmode="lin" valueType="num">
+                                      <p:cBhvr>
+                                        <p:cTn id="41" dur="1000" fill="hold"/>
+                                        <p:tgtEl>
+                                          <p:spTgt spid="3">
+                                            <p:txEl>
+                                              <p:pRg st="3" end="3"/>
+                                            </p:txEl>
+                                          </p:spTgt>
+                                        </p:tgtEl>
+                                        <p:attrNameLst>
+                                          <p:attrName>style.rotation</p:attrName>
+                                        </p:attrNameLst>
+                                      </p:cBhvr>
+                                      <p:tavLst>
+                                        <p:tav tm="0">
+                                          <p:val>
+                                            <p:fltVal val="90"/>
+                                          </p:val>
+                                        </p:tav>
+                                        <p:tav tm="100000">
+                                          <p:val>
+                                            <p:fltVal val="0"/>
+                                          </p:val>
+                                        </p:tav>
+                                      </p:tavLst>
+                                    </p:anim>
+                                    <p:animEffect transition="in" filter="fade">
+                                      <p:cBhvr>
+                                        <p:cTn id="42" dur="1000"/>
+                                        <p:tgtEl>
+                                          <p:spTgt spid="3">
+                                            <p:txEl>
+                                              <p:pRg st="3" end="3"/>
+                                            </p:txEl>
+                                          </p:spTgt>
+                                        </p:tgtEl>
+                                      </p:cBhvr>
+                                    </p:animEffect>
+                                  </p:childTnLst>
+                                </p:cTn>
+                              </p:par>
+                            </p:childTnLst>
+                          </p:cTn>
+                        </p:par>
+                      </p:childTnLst>
+                    </p:cTn>
+                  </p:par>
+                </p:childTnLst>
+              </p:cTn>
+              <p:prevCondLst>
+                <p:cond evt="onPrev" delay="0">
+                  <p:tgtEl>
+                    <p:sldTgt/>
+                  </p:tgtEl>
+                </p:cond>
+              </p:prevCondLst>
+              <p:nextCondLst>
+                <p:cond evt="onNext" delay="0">
+                  <p:tgtEl>
+                    <p:sldTgt/>
+                  </p:tgtEl>
+                </p:cond>
+              </p:nextCondLst>
+            </p:seq>
+          </p:childTnLst>
+        </p:cTn>
+      </p:par>
+    </p:tnLst>
+    <p:bldLst>
+      <p:bldP spid="2" grpId="0"/>
+    </p:bldLst>
+  </p:timing>
 </p:sld>
 </file>
 

--- a/Project presentation.pptx
+++ b/Project presentation.pptx
@@ -276,7 +276,7 @@
           <a:p>
             <a:fld id="{6444479B-705B-4489-957E-7E8A228BDFA0}" type="datetime1">
               <a:rPr lang="en-US" smtClean="0"/>
-              <a:t>12/7/2024</a:t>
+              <a:t>12/28/2024</a:t>
             </a:fld>
             <a:endParaRPr lang="en-US"/>
           </a:p>
@@ -476,7 +476,7 @@
           <a:p>
             <a:fld id="{C07B66AD-7C08-490A-ADA4-B47E10FB2407}" type="datetime1">
               <a:rPr lang="en-US" smtClean="0"/>
-              <a:t>12/7/2024</a:t>
+              <a:t>12/28/2024</a:t>
             </a:fld>
             <a:endParaRPr lang="en-US"/>
           </a:p>
@@ -735,7 +735,7 @@
           <a:p>
             <a:fld id="{05B95027-4255-49E7-9841-CD21BCC99996}" type="datetime1">
               <a:rPr lang="en-US" smtClean="0"/>
-              <a:t>12/7/2024</a:t>
+              <a:t>12/28/2024</a:t>
             </a:fld>
             <a:endParaRPr lang="en-US"/>
           </a:p>
@@ -976,7 +976,7 @@
           <a:p>
             <a:fld id="{9F89F774-3FA6-43B8-9241-99959C8FD463}" type="datetime1">
               <a:rPr lang="en-US" smtClean="0"/>
-              <a:t>12/7/2024</a:t>
+              <a:t>12/28/2024</a:t>
             </a:fld>
             <a:endParaRPr lang="en-US"/>
           </a:p>
@@ -1303,7 +1303,7 @@
           <a:p>
             <a:fld id="{F9504452-5DCC-4FE2-A5C9-8A5EF6714D65}" type="datetime1">
               <a:rPr lang="en-US" smtClean="0"/>
-              <a:t>12/7/2024</a:t>
+              <a:t>12/28/2024</a:t>
             </a:fld>
             <a:endParaRPr lang="en-US"/>
           </a:p>
@@ -1613,7 +1613,7 @@
           <a:p>
             <a:fld id="{E579ABC2-0180-4F3A-A895-A85BC724D472}" type="datetime1">
               <a:rPr lang="en-US" smtClean="0"/>
-              <a:t>12/7/2024</a:t>
+              <a:t>12/28/2024</a:t>
             </a:fld>
             <a:endParaRPr lang="en-US"/>
           </a:p>
@@ -2031,7 +2031,7 @@
           <a:p>
             <a:fld id="{6AEEA9BA-4E8F-439E-BEA4-91FBA01E3F5F}" type="datetime1">
               <a:rPr lang="en-US" smtClean="0"/>
-              <a:t>12/7/2024</a:t>
+              <a:t>12/28/2024</a:t>
             </a:fld>
             <a:endParaRPr lang="en-US"/>
           </a:p>
@@ -2173,7 +2173,7 @@
           <a:p>
             <a:fld id="{BE15BF18-0007-481C-AA29-413124BC3EE7}" type="datetime1">
               <a:rPr lang="en-US" smtClean="0"/>
-              <a:t>12/7/2024</a:t>
+              <a:t>12/28/2024</a:t>
             </a:fld>
             <a:endParaRPr lang="en-US"/>
           </a:p>
@@ -2335,7 +2335,7 @@
           <a:p>
             <a:fld id="{09BE9870-3748-43AD-B547-02A075CB4A1D}" type="datetime1">
               <a:rPr lang="en-US" smtClean="0"/>
-              <a:t>12/7/2024</a:t>
+              <a:t>12/28/2024</a:t>
             </a:fld>
             <a:endParaRPr lang="en-US"/>
           </a:p>
@@ -2652,7 +2652,7 @@
           <a:p>
             <a:fld id="{558E7897-33C5-4F1A-9307-D068E37F3DC7}" type="datetime1">
               <a:rPr lang="en-US" smtClean="0"/>
-              <a:t>12/7/2024</a:t>
+              <a:t>12/28/2024</a:t>
             </a:fld>
             <a:endParaRPr lang="en-US"/>
           </a:p>
@@ -2947,7 +2947,7 @@
           <a:p>
             <a:fld id="{82E171BA-CC09-47C8-A6DF-F5C5CB59CEEC}" type="datetime1">
               <a:rPr lang="en-US" smtClean="0"/>
-              <a:t>12/7/2024</a:t>
+              <a:t>12/28/2024</a:t>
             </a:fld>
             <a:endParaRPr lang="en-US"/>
           </a:p>
@@ -3188,7 +3188,7 @@
           <a:p>
             <a:fld id="{7DA38F49-B3E2-4BF0-BEC7-C30D34ABBB8D}" type="datetime1">
               <a:rPr lang="en-US" smtClean="0"/>
-              <a:t>12/7/2024</a:t>
+              <a:t>12/28/2024</a:t>
             </a:fld>
             <a:endParaRPr lang="en-US"/>
           </a:p>
@@ -6330,7 +6330,7 @@
             </a:pPr>
             <a:r>
               <a:rPr lang="en-US" sz="1600" dirty="0"/>
-              <a:t>1) Moving normally forward: The MCU checks the digital state of pins connected to the three TCRT sensors and depending on them, there are conditions that activate accordingly to follow the line.</a:t>
+              <a:t>1) Moving normally forward: The MCU checks the digital state of pins connected to the Three TCRT sensors and depending on them, there are conditions that activate accordingly to follow the line.</a:t>
             </a:r>
           </a:p>
           <a:p>
